--- a/data_anlaysis_basic/Numpy/Numpy.pptx
+++ b/data_anlaysis_basic/Numpy/Numpy.pptx
@@ -22,6 +22,7 @@
     <p:sldId id="271" r:id="rId16"/>
     <p:sldId id="267" r:id="rId17"/>
     <p:sldId id="268" r:id="rId18"/>
+    <p:sldId id="273" r:id="rId19"/>
   </p:sldIdLst>
   <p:sldSz cx="12192000" cy="6858000"/>
   <p:notesSz cx="6858000" cy="9144000"/>
@@ -354,7 +355,7 @@
           <a:p>
             <a:fld id="{1F281D6F-B735-46BA-8BC4-154EC22FD74F}" type="datetimeFigureOut">
               <a:rPr lang="zh-TW" altLang="en-US" smtClean="0"/>
-              <a:t>2019/5/13</a:t>
+              <a:t>2019/5/15</a:t>
             </a:fld>
             <a:endParaRPr lang="zh-TW" altLang="en-US"/>
           </a:p>
@@ -562,7 +563,7 @@
           <a:p>
             <a:fld id="{1F281D6F-B735-46BA-8BC4-154EC22FD74F}" type="datetimeFigureOut">
               <a:rPr lang="zh-TW" altLang="en-US" smtClean="0"/>
-              <a:t>2019/5/13</a:t>
+              <a:t>2019/5/15</a:t>
             </a:fld>
             <a:endParaRPr lang="zh-TW" altLang="en-US"/>
           </a:p>
@@ -818,7 +819,7 @@
           <a:p>
             <a:fld id="{1F281D6F-B735-46BA-8BC4-154EC22FD74F}" type="datetimeFigureOut">
               <a:rPr lang="zh-TW" altLang="en-US" smtClean="0"/>
-              <a:t>2019/5/13</a:t>
+              <a:t>2019/5/15</a:t>
             </a:fld>
             <a:endParaRPr lang="zh-TW" altLang="en-US"/>
           </a:p>
@@ -992,7 +993,7 @@
           <a:p>
             <a:fld id="{1F281D6F-B735-46BA-8BC4-154EC22FD74F}" type="datetimeFigureOut">
               <a:rPr lang="zh-TW" altLang="en-US" smtClean="0"/>
-              <a:t>2019/5/13</a:t>
+              <a:t>2019/5/15</a:t>
             </a:fld>
             <a:endParaRPr lang="zh-TW" altLang="en-US"/>
           </a:p>
@@ -1335,7 +1336,7 @@
           <a:p>
             <a:fld id="{1F281D6F-B735-46BA-8BC4-154EC22FD74F}" type="datetimeFigureOut">
               <a:rPr lang="zh-TW" altLang="en-US" smtClean="0"/>
-              <a:t>2019/5/13</a:t>
+              <a:t>2019/5/15</a:t>
             </a:fld>
             <a:endParaRPr lang="zh-TW" altLang="en-US"/>
           </a:p>
@@ -1610,7 +1611,7 @@
           <a:p>
             <a:fld id="{1F281D6F-B735-46BA-8BC4-154EC22FD74F}" type="datetimeFigureOut">
               <a:rPr lang="zh-TW" altLang="en-US" smtClean="0"/>
-              <a:t>2019/5/13</a:t>
+              <a:t>2019/5/15</a:t>
             </a:fld>
             <a:endParaRPr lang="zh-TW" altLang="en-US"/>
           </a:p>
@@ -1989,7 +1990,7 @@
           <a:p>
             <a:fld id="{1F281D6F-B735-46BA-8BC4-154EC22FD74F}" type="datetimeFigureOut">
               <a:rPr lang="zh-TW" altLang="en-US" smtClean="0"/>
-              <a:t>2019/5/13</a:t>
+              <a:t>2019/5/15</a:t>
             </a:fld>
             <a:endParaRPr lang="zh-TW" altLang="en-US"/>
           </a:p>
@@ -2107,7 +2108,7 @@
           <a:p>
             <a:fld id="{1F281D6F-B735-46BA-8BC4-154EC22FD74F}" type="datetimeFigureOut">
               <a:rPr lang="zh-TW" altLang="en-US" smtClean="0"/>
-              <a:t>2019/5/13</a:t>
+              <a:t>2019/5/15</a:t>
             </a:fld>
             <a:endParaRPr lang="zh-TW" altLang="en-US"/>
           </a:p>
@@ -2278,7 +2279,7 @@
           <a:p>
             <a:fld id="{1F281D6F-B735-46BA-8BC4-154EC22FD74F}" type="datetimeFigureOut">
               <a:rPr lang="zh-TW" altLang="en-US" smtClean="0"/>
-              <a:t>2019/5/13</a:t>
+              <a:t>2019/5/15</a:t>
             </a:fld>
             <a:endParaRPr lang="zh-TW" altLang="en-US"/>
           </a:p>
@@ -2632,7 +2633,7 @@
           <a:p>
             <a:fld id="{1F281D6F-B735-46BA-8BC4-154EC22FD74F}" type="datetimeFigureOut">
               <a:rPr lang="zh-TW" altLang="en-US" smtClean="0"/>
-              <a:t>2019/5/13</a:t>
+              <a:t>2019/5/15</a:t>
             </a:fld>
             <a:endParaRPr lang="zh-TW" altLang="en-US"/>
           </a:p>
@@ -3014,7 +3015,7 @@
           <a:p>
             <a:fld id="{1F281D6F-B735-46BA-8BC4-154EC22FD74F}" type="datetimeFigureOut">
               <a:rPr lang="zh-TW" altLang="en-US" smtClean="0"/>
-              <a:t>2019/5/13</a:t>
+              <a:t>2019/5/15</a:t>
             </a:fld>
             <a:endParaRPr lang="zh-TW" altLang="en-US"/>
           </a:p>
@@ -3301,7 +3302,7 @@
           <a:p>
             <a:fld id="{1F281D6F-B735-46BA-8BC4-154EC22FD74F}" type="datetimeFigureOut">
               <a:rPr lang="zh-TW" altLang="en-US" smtClean="0"/>
-              <a:t>2019/5/13</a:t>
+              <a:t>2019/5/15</a:t>
             </a:fld>
             <a:endParaRPr lang="zh-TW" altLang="en-US"/>
           </a:p>
@@ -5055,6 +5056,220 @@
 </p:sld>
 </file>
 
+<file path=ppt/slides/slide18.xml><?xml version="1.0" encoding="utf-8"?>
+<p:sld xmlns:a="http://schemas.openxmlformats.org/drawingml/2006/main" xmlns:r="http://schemas.openxmlformats.org/officeDocument/2006/relationships" xmlns:p="http://schemas.openxmlformats.org/presentationml/2006/main">
+  <p:cSld>
+    <p:spTree>
+      <p:nvGrpSpPr>
+        <p:cNvPr id="1" name=""/>
+        <p:cNvGrpSpPr/>
+        <p:nvPr/>
+      </p:nvGrpSpPr>
+      <p:grpSpPr>
+        <a:xfrm>
+          <a:off x="0" y="0"/>
+          <a:ext cx="0" cy="0"/>
+          <a:chOff x="0" y="0"/>
+          <a:chExt cx="0" cy="0"/>
+        </a:xfrm>
+      </p:grpSpPr>
+      <p:sp>
+        <p:nvSpPr>
+          <p:cNvPr id="2" name="標題 1"/>
+          <p:cNvSpPr>
+            <a:spLocks noGrp="1"/>
+          </p:cNvSpPr>
+          <p:nvPr>
+            <p:ph type="title"/>
+          </p:nvPr>
+        </p:nvSpPr>
+        <p:spPr/>
+        <p:txBody>
+          <a:bodyPr/>
+          <a:lstStyle/>
+          <a:p>
+            <a:r>
+              <a:rPr lang="zh-TW" altLang="en-US" dirty="0" smtClean="0"/>
+              <a:t>基礎敘述性統計量</a:t>
+            </a:r>
+            <a:endParaRPr lang="zh-TW" altLang="en-US" dirty="0"/>
+          </a:p>
+        </p:txBody>
+      </p:sp>
+      <p:sp>
+        <p:nvSpPr>
+          <p:cNvPr id="3" name="內容版面配置區 2"/>
+          <p:cNvSpPr>
+            <a:spLocks noGrp="1"/>
+          </p:cNvSpPr>
+          <p:nvPr>
+            <p:ph idx="1"/>
+          </p:nvPr>
+        </p:nvSpPr>
+        <p:spPr/>
+        <p:txBody>
+          <a:bodyPr/>
+          <a:lstStyle/>
+          <a:p>
+            <a:r>
+              <a:rPr lang="zh-TW" altLang="en-US" dirty="0" smtClean="0"/>
+              <a:t>平均數</a:t>
+            </a:r>
+            <a:r>
+              <a:rPr lang="en-US" altLang="zh-TW" dirty="0" smtClean="0"/>
+              <a:t>:</a:t>
+            </a:r>
+            <a:r>
+              <a:rPr lang="en-US" altLang="zh-TW" dirty="0" err="1" smtClean="0"/>
+              <a:t>np.mean</a:t>
+            </a:r>
+            <a:r>
+              <a:rPr lang="en-US" altLang="zh-TW" dirty="0" smtClean="0"/>
+              <a:t>()</a:t>
+            </a:r>
+          </a:p>
+          <a:p>
+            <a:r>
+              <a:rPr lang="zh-TW" altLang="en-US" dirty="0" smtClean="0"/>
+              <a:t>標準差</a:t>
+            </a:r>
+            <a:r>
+              <a:rPr lang="en-US" altLang="zh-TW" dirty="0" smtClean="0"/>
+              <a:t>:</a:t>
+            </a:r>
+            <a:r>
+              <a:rPr lang="en-US" altLang="zh-TW" dirty="0" err="1" smtClean="0"/>
+              <a:t>np.std</a:t>
+            </a:r>
+            <a:r>
+              <a:rPr lang="en-US" altLang="zh-TW" dirty="0" smtClean="0"/>
+              <a:t>()</a:t>
+            </a:r>
+          </a:p>
+          <a:p>
+            <a:r>
+              <a:rPr lang="zh-TW" altLang="en-US" dirty="0" smtClean="0"/>
+              <a:t>最大值</a:t>
+            </a:r>
+            <a:r>
+              <a:rPr lang="en-US" altLang="zh-TW" dirty="0" smtClean="0"/>
+              <a:t>:</a:t>
+            </a:r>
+            <a:r>
+              <a:rPr lang="en-US" altLang="zh-TW" dirty="0" err="1" smtClean="0"/>
+              <a:t>np.max</a:t>
+            </a:r>
+            <a:r>
+              <a:rPr lang="en-US" altLang="zh-TW" dirty="0" smtClean="0"/>
+              <a:t>()</a:t>
+            </a:r>
+          </a:p>
+          <a:p>
+            <a:r>
+              <a:rPr lang="zh-TW" altLang="en-US" dirty="0" smtClean="0"/>
+              <a:t>最小值</a:t>
+            </a:r>
+            <a:r>
+              <a:rPr lang="en-US" altLang="zh-TW" dirty="0" smtClean="0"/>
+              <a:t>:</a:t>
+            </a:r>
+            <a:r>
+              <a:rPr lang="en-US" altLang="zh-TW" dirty="0" err="1" smtClean="0"/>
+              <a:t>np.min</a:t>
+            </a:r>
+            <a:r>
+              <a:rPr lang="en-US" altLang="zh-TW" dirty="0" smtClean="0"/>
+              <a:t>()</a:t>
+            </a:r>
+          </a:p>
+          <a:p>
+            <a:r>
+              <a:rPr lang="zh-TW" altLang="en-US" dirty="0" smtClean="0"/>
+              <a:t>變</a:t>
+            </a:r>
+            <a:r>
+              <a:rPr lang="zh-TW" altLang="en-US" dirty="0"/>
+              <a:t>異</a:t>
+            </a:r>
+            <a:r>
+              <a:rPr lang="zh-TW" altLang="en-US" dirty="0" smtClean="0"/>
+              <a:t>數</a:t>
+            </a:r>
+            <a:r>
+              <a:rPr lang="en-US" altLang="zh-TW" dirty="0" smtClean="0"/>
+              <a:t>:</a:t>
+            </a:r>
+            <a:r>
+              <a:rPr lang="en-US" altLang="zh-TW" dirty="0" err="1" smtClean="0"/>
+              <a:t>np.var</a:t>
+            </a:r>
+            <a:r>
+              <a:rPr lang="en-US" altLang="zh-TW" dirty="0" smtClean="0"/>
+              <a:t>()</a:t>
+            </a:r>
+            <a:endParaRPr lang="zh-TW" altLang="en-US" dirty="0"/>
+          </a:p>
+        </p:txBody>
+      </p:sp>
+      <p:pic>
+        <p:nvPicPr>
+          <p:cNvPr id="4" name="圖片 3"/>
+          <p:cNvPicPr>
+            <a:picLocks noChangeAspect="1"/>
+          </p:cNvPicPr>
+          <p:nvPr/>
+        </p:nvPicPr>
+        <p:blipFill rotWithShape="1">
+          <a:blip r:embed="rId2"/>
+          <a:srcRect r="39164" b="55032"/>
+          <a:stretch/>
+        </p:blipFill>
+        <p:spPr>
+          <a:xfrm>
+            <a:off x="3437357" y="1857781"/>
+            <a:ext cx="6284613" cy="2427163"/>
+          </a:xfrm>
+          <a:prstGeom prst="rect">
+            <a:avLst/>
+          </a:prstGeom>
+        </p:spPr>
+      </p:pic>
+      <p:pic>
+        <p:nvPicPr>
+          <p:cNvPr id="5" name="圖片 4"/>
+          <p:cNvPicPr>
+            <a:picLocks noChangeAspect="1"/>
+          </p:cNvPicPr>
+          <p:nvPr/>
+        </p:nvPicPr>
+        <p:blipFill rotWithShape="1">
+          <a:blip r:embed="rId3"/>
+          <a:srcRect t="57866" r="39164" b="11520"/>
+          <a:stretch/>
+        </p:blipFill>
+        <p:spPr>
+          <a:xfrm>
+            <a:off x="3437357" y="4372923"/>
+            <a:ext cx="6284613" cy="1652374"/>
+          </a:xfrm>
+          <a:prstGeom prst="rect">
+            <a:avLst/>
+          </a:prstGeom>
+        </p:spPr>
+      </p:pic>
+    </p:spTree>
+    <p:extLst>
+      <p:ext uri="{BB962C8B-B14F-4D97-AF65-F5344CB8AC3E}">
+        <p14:creationId xmlns:p14="http://schemas.microsoft.com/office/powerpoint/2010/main" val="2528083567"/>
+      </p:ext>
+    </p:extLst>
+  </p:cSld>
+  <p:clrMapOvr>
+    <a:masterClrMapping/>
+  </p:clrMapOvr>
+</p:sld>
+</file>
+
 <file path=ppt/slides/slide2.xml><?xml version="1.0" encoding="utf-8"?>
 <p:sld xmlns:a="http://schemas.openxmlformats.org/drawingml/2006/main" xmlns:r="http://schemas.openxmlformats.org/officeDocument/2006/relationships" xmlns:p="http://schemas.openxmlformats.org/presentationml/2006/main">
   <p:cSld>
